--- a/presentation_powerpoint/meeting_2nd/humanoid_robotics_working_group_reading_group_2nd_meeting.pptx
+++ b/presentation_powerpoint/meeting_2nd/humanoid_robotics_working_group_reading_group_2nd_meeting.pptx
@@ -4650,7 +4650,7 @@
         <p:spPr>
           <a:xfrm>
             <a:off x="-16920" y="-12240"/>
-            <a:ext cx="10095840" cy="947160"/>
+            <a:ext cx="10095480" cy="946800"/>
           </a:xfrm>
           <a:prstGeom prst="rect">
             <a:avLst/>
@@ -4922,7 +4922,7 @@
         <p:spPr>
           <a:xfrm>
             <a:off x="504000" y="1901160"/>
-            <a:ext cx="9070560" cy="1270440"/>
+            <a:ext cx="9070200" cy="1270080"/>
           </a:xfrm>
           <a:prstGeom prst="rect">
             <a:avLst/>
@@ -4966,7 +4966,7 @@
                 <a:latin typeface="Arial"/>
                 <a:ea typeface="DejaVu Sans"/>
               </a:rPr>
-              <a:t>st</a:t>
+              <a:t>nd</a:t>
             </a:r>
             <a:r>
               <a:rPr b="0" lang="en-US" sz="4400" spc="-1" strike="noStrike">
@@ -4993,7 +4993,7 @@
         <p:spPr>
           <a:xfrm>
             <a:off x="504000" y="3437280"/>
-            <a:ext cx="9070560" cy="2733840"/>
+            <a:ext cx="9070200" cy="2733480"/>
           </a:xfrm>
           <a:prstGeom prst="rect">
             <a:avLst/>
@@ -5144,7 +5144,7 @@
         <p:spPr>
           <a:xfrm>
             <a:off x="504000" y="969840"/>
-            <a:ext cx="9070560" cy="1045080"/>
+            <a:ext cx="9070200" cy="1044720"/>
           </a:xfrm>
           <a:prstGeom prst="rect">
             <a:avLst/>
@@ -5198,7 +5198,7 @@
         <p:spPr>
           <a:xfrm>
             <a:off x="504000" y="2232000"/>
-            <a:ext cx="9070560" cy="4390920"/>
+            <a:ext cx="9070200" cy="4390560"/>
           </a:xfrm>
           <a:prstGeom prst="rect">
             <a:avLst/>
@@ -5219,7 +5219,7 @@
             <a:normAutofit fontScale="42000"/>
           </a:bodyPr>
           <a:p>
-            <a:pPr marL="432000" indent="-322920">
+            <a:pPr marL="432000" indent="-322560">
               <a:lnSpc>
                 <a:spcPct val="100000"/>
               </a:lnSpc>
@@ -5248,7 +5248,7 @@
             </a:endParaRPr>
           </a:p>
           <a:p>
-            <a:pPr marL="432000" indent="-322920">
+            <a:pPr marL="432000" indent="-322560">
               <a:lnSpc>
                 <a:spcPct val="100000"/>
               </a:lnSpc>
@@ -5277,7 +5277,7 @@
             </a:endParaRPr>
           </a:p>
           <a:p>
-            <a:pPr marL="432000" indent="-322920">
+            <a:pPr marL="432000" indent="-322560">
               <a:lnSpc>
                 <a:spcPct val="100000"/>
               </a:lnSpc>
@@ -5346,7 +5346,7 @@
         <p:spPr>
           <a:xfrm>
             <a:off x="504000" y="969840"/>
-            <a:ext cx="9070560" cy="1045080"/>
+            <a:ext cx="9070200" cy="1044720"/>
           </a:xfrm>
           <a:prstGeom prst="rect">
             <a:avLst/>
@@ -5400,7 +5400,7 @@
         <p:spPr>
           <a:xfrm>
             <a:off x="504000" y="2232000"/>
-            <a:ext cx="9070560" cy="4390920"/>
+            <a:ext cx="9070200" cy="4390560"/>
           </a:xfrm>
           <a:prstGeom prst="rect">
             <a:avLst/>
@@ -5421,7 +5421,7 @@
             <a:normAutofit fontScale="39000"/>
           </a:bodyPr>
           <a:p>
-            <a:pPr marL="432000" indent="-322920">
+            <a:pPr marL="432000" indent="-322560">
               <a:lnSpc>
                 <a:spcPct val="100000"/>
               </a:lnSpc>
@@ -5450,7 +5450,7 @@
             </a:endParaRPr>
           </a:p>
           <a:p>
-            <a:pPr marL="432000" indent="-322920">
+            <a:pPr marL="432000" indent="-322560">
               <a:lnSpc>
                 <a:spcPct val="100000"/>
               </a:lnSpc>
@@ -5479,7 +5479,7 @@
             </a:endParaRPr>
           </a:p>
           <a:p>
-            <a:pPr marL="432000" indent="-322920">
+            <a:pPr marL="432000" indent="-322560">
               <a:lnSpc>
                 <a:spcPct val="100000"/>
               </a:lnSpc>
@@ -5548,7 +5548,7 @@
         <p:spPr>
           <a:xfrm>
             <a:off x="504000" y="969840"/>
-            <a:ext cx="9070560" cy="1045080"/>
+            <a:ext cx="9070200" cy="1044720"/>
           </a:xfrm>
           <a:prstGeom prst="rect">
             <a:avLst/>
@@ -5602,7 +5602,7 @@
         <p:spPr>
           <a:xfrm>
             <a:off x="504000" y="2232000"/>
-            <a:ext cx="9070560" cy="4390920"/>
+            <a:ext cx="9070200" cy="4390560"/>
           </a:xfrm>
           <a:prstGeom prst="rect">
             <a:avLst/>
@@ -5623,7 +5623,7 @@
             <a:normAutofit fontScale="51000"/>
           </a:bodyPr>
           <a:p>
-            <a:pPr marL="432000" indent="-322920">
+            <a:pPr marL="432000" indent="-322560">
               <a:lnSpc>
                 <a:spcPct val="100000"/>
               </a:lnSpc>
@@ -5652,7 +5652,7 @@
             </a:endParaRPr>
           </a:p>
           <a:p>
-            <a:pPr marL="432000" indent="-322920">
+            <a:pPr marL="432000" indent="-322560">
               <a:lnSpc>
                 <a:spcPct val="100000"/>
               </a:lnSpc>
@@ -5681,7 +5681,7 @@
             </a:endParaRPr>
           </a:p>
           <a:p>
-            <a:pPr marL="432000" indent="-322920">
+            <a:pPr marL="432000" indent="-322560">
               <a:lnSpc>
                 <a:spcPct val="100000"/>
               </a:lnSpc>
@@ -5750,7 +5750,7 @@
         <p:spPr>
           <a:xfrm>
             <a:off x="504000" y="867960"/>
-            <a:ext cx="9070560" cy="1249200"/>
+            <a:ext cx="9070200" cy="1248840"/>
           </a:xfrm>
           <a:prstGeom prst="rect">
             <a:avLst/>
@@ -5771,7 +5771,7 @@
             <a:noAutofit/>
           </a:bodyPr>
           <a:p>
-            <a:pPr marL="432000" indent="-322920" algn="ctr">
+            <a:pPr marL="432000" indent="-322560" algn="ctr">
               <a:lnSpc>
                 <a:spcPct val="100000"/>
               </a:lnSpc>
@@ -5810,7 +5810,7 @@
         <p:spPr>
           <a:xfrm>
             <a:off x="504000" y="2232000"/>
-            <a:ext cx="9070560" cy="4390920"/>
+            <a:ext cx="9070200" cy="4390560"/>
           </a:xfrm>
           <a:prstGeom prst="rect">
             <a:avLst/>
@@ -5831,7 +5831,7 @@
             <a:normAutofit fontScale="56000"/>
           </a:bodyPr>
           <a:p>
-            <a:pPr marL="432000" indent="-322920">
+            <a:pPr marL="432000" indent="-322560">
               <a:lnSpc>
                 <a:spcPct val="100000"/>
               </a:lnSpc>
@@ -5872,7 +5872,7 @@
             </a:endParaRPr>
           </a:p>
           <a:p>
-            <a:pPr marL="432000" indent="-322920">
+            <a:pPr marL="432000" indent="-322560">
               <a:lnSpc>
                 <a:spcPct val="100000"/>
               </a:lnSpc>
@@ -5913,7 +5913,7 @@
             </a:endParaRPr>
           </a:p>
           <a:p>
-            <a:pPr marL="432000" indent="-322920">
+            <a:pPr marL="432000" indent="-322560">
               <a:lnSpc>
                 <a:spcPct val="100000"/>
               </a:lnSpc>
@@ -5954,7 +5954,7 @@
             </a:endParaRPr>
           </a:p>
           <a:p>
-            <a:pPr marL="432000" indent="-322920">
+            <a:pPr marL="432000" indent="-322560">
               <a:lnSpc>
                 <a:spcPct val="100000"/>
               </a:lnSpc>
@@ -5995,7 +5995,7 @@
             </a:endParaRPr>
           </a:p>
           <a:p>
-            <a:pPr marL="432000" indent="-322920">
+            <a:pPr marL="432000" indent="-322560">
               <a:lnSpc>
                 <a:spcPct val="100000"/>
               </a:lnSpc>
@@ -6036,7 +6036,7 @@
             </a:endParaRPr>
           </a:p>
           <a:p>
-            <a:pPr marL="432000" indent="-322920">
+            <a:pPr marL="432000" indent="-322560">
               <a:lnSpc>
                 <a:spcPct val="100000"/>
               </a:lnSpc>
@@ -6117,7 +6117,7 @@
         <p:spPr>
           <a:xfrm>
             <a:off x="504000" y="408600"/>
-            <a:ext cx="9070560" cy="1261440"/>
+            <a:ext cx="9070200" cy="1261080"/>
           </a:xfrm>
           <a:prstGeom prst="rect">
             <a:avLst/>
@@ -6172,7 +6172,7 @@
         <p:spPr>
           <a:xfrm>
             <a:off x="504000" y="2020680"/>
-            <a:ext cx="9070560" cy="4674240"/>
+            <a:ext cx="9070200" cy="4673880"/>
           </a:xfrm>
           <a:prstGeom prst="rect">
             <a:avLst/>
@@ -6223,24 +6223,14 @@
                 <a:latin typeface="Arial"/>
                 <a:ea typeface="DejaVu Sans"/>
               </a:rPr>
-              <a:t>Introduction On Simulation &amp; </a:t>
-            </a:r>
-            <a:r>
-              <a:rPr b="0" lang="en-US" sz="3200" spc="-1" strike="noStrike">
-                <a:solidFill>
-                  <a:srgbClr val="000000"/>
-                </a:solidFill>
-                <a:latin typeface="Arial"/>
-                <a:ea typeface="DejaVu Sans"/>
-              </a:rPr>
-              <a:t>Overview of Humanoid Robotics</a:t>
-            </a:r>
-            <a:endParaRPr b="0" lang="en-US" sz="3200" spc="-1" strike="noStrike">
-              <a:latin typeface="Arial"/>
-            </a:endParaRPr>
-          </a:p>
-          <a:p>
-            <a:pPr marL="432000" indent="-322920">
+              <a:t>Introduction On Simulation &amp; Overview of Humanoid Robotics</a:t>
+            </a:r>
+            <a:endParaRPr b="0" lang="en-US" sz="3200" spc="-1" strike="noStrike">
+              <a:latin typeface="Arial"/>
+            </a:endParaRPr>
+          </a:p>
+          <a:p>
+            <a:pPr marL="432000" indent="-322560">
               <a:lnSpc>
                 <a:spcPct val="100000"/>
               </a:lnSpc>
@@ -6269,7 +6259,7 @@
             </a:endParaRPr>
           </a:p>
           <a:p>
-            <a:pPr marL="432000" indent="-322920">
+            <a:pPr marL="432000" indent="-322560">
               <a:lnSpc>
                 <a:spcPct val="100000"/>
               </a:lnSpc>
@@ -6298,7 +6288,7 @@
             </a:endParaRPr>
           </a:p>
           <a:p>
-            <a:pPr marL="432000" indent="-322920">
+            <a:pPr marL="432000" indent="-322560">
               <a:lnSpc>
                 <a:spcPct val="100000"/>
               </a:lnSpc>
@@ -6327,7 +6317,7 @@
             </a:endParaRPr>
           </a:p>
           <a:p>
-            <a:pPr marL="432000" indent="-322920">
+            <a:pPr marL="432000" indent="-322560">
               <a:lnSpc>
                 <a:spcPct val="100000"/>
               </a:lnSpc>
@@ -6356,7 +6346,7 @@
             </a:endParaRPr>
           </a:p>
           <a:p>
-            <a:pPr marL="432000" indent="-322920">
+            <a:pPr marL="432000" indent="-322560">
               <a:lnSpc>
                 <a:spcPct val="100000"/>
               </a:lnSpc>
@@ -6385,7 +6375,7 @@
             </a:endParaRPr>
           </a:p>
           <a:p>
-            <a:pPr marL="432000" indent="-322920">
+            <a:pPr marL="432000" indent="-322560">
               <a:lnSpc>
                 <a:spcPct val="100000"/>
               </a:lnSpc>
@@ -6414,7 +6404,7 @@
             </a:endParaRPr>
           </a:p>
           <a:p>
-            <a:pPr marL="432000" indent="-322920">
+            <a:pPr marL="432000" indent="-322560">
               <a:lnSpc>
                 <a:spcPct val="100000"/>
               </a:lnSpc>
@@ -6443,7 +6433,7 @@
             </a:endParaRPr>
           </a:p>
           <a:p>
-            <a:pPr marL="432000" indent="-322920">
+            <a:pPr marL="432000" indent="-322560">
               <a:lnSpc>
                 <a:spcPct val="100000"/>
               </a:lnSpc>
@@ -6472,7 +6462,7 @@
             </a:endParaRPr>
           </a:p>
           <a:p>
-            <a:pPr marL="432000" indent="-322920">
+            <a:pPr marL="432000" indent="-322560">
               <a:lnSpc>
                 <a:spcPct val="100000"/>
               </a:lnSpc>
@@ -6554,7 +6544,7 @@
         <p:spPr>
           <a:xfrm>
             <a:off x="504000" y="969840"/>
-            <a:ext cx="9070560" cy="1045080"/>
+            <a:ext cx="9070200" cy="1044720"/>
           </a:xfrm>
           <a:prstGeom prst="rect">
             <a:avLst/>
@@ -6591,17 +6581,7 @@
                 <a:latin typeface="Arial"/>
                 <a:ea typeface="DejaVu Sans"/>
               </a:rPr>
-              <a:t>Introduction On Simulation &amp; </a:t>
-            </a:r>
-            <a:r>
-              <a:rPr b="0" lang="en-US" sz="4000" spc="-1" strike="noStrike">
-                <a:solidFill>
-                  <a:srgbClr val="000000"/>
-                </a:solidFill>
-                <a:latin typeface="Arial"/>
-                <a:ea typeface="DejaVu Sans"/>
-              </a:rPr>
-              <a:t>Overview of Humanoid Robotics</a:t>
+              <a:t>Introduction On Simulation &amp; Overview of Humanoid Robotics</a:t>
             </a:r>
             <a:endParaRPr b="0" lang="en-US" sz="4000" spc="-1" strike="noStrike">
               <a:latin typeface="Arial"/>
@@ -6618,7 +6598,7 @@
         <p:spPr>
           <a:xfrm>
             <a:off x="504000" y="2232000"/>
-            <a:ext cx="9070560" cy="4390920"/>
+            <a:ext cx="9070200" cy="4390560"/>
           </a:xfrm>
           <a:prstGeom prst="rect">
             <a:avLst/>
@@ -6639,7 +6619,7 @@
             <a:normAutofit/>
           </a:bodyPr>
           <a:p>
-            <a:pPr marL="432000" indent="-322920">
+            <a:pPr marL="432000" indent="-322560">
               <a:lnSpc>
                 <a:spcPct val="100000"/>
               </a:lnSpc>
@@ -6668,7 +6648,7 @@
             </a:endParaRPr>
           </a:p>
           <a:p>
-            <a:pPr marL="432000" indent="-322920">
+            <a:pPr marL="432000" indent="-322560">
               <a:lnSpc>
                 <a:spcPct val="100000"/>
               </a:lnSpc>
@@ -6737,7 +6717,7 @@
         <p:spPr>
           <a:xfrm>
             <a:off x="504000" y="969840"/>
-            <a:ext cx="9070560" cy="1045080"/>
+            <a:ext cx="9070200" cy="1044720"/>
           </a:xfrm>
           <a:prstGeom prst="rect">
             <a:avLst/>
@@ -6791,7 +6771,7 @@
         <p:spPr>
           <a:xfrm>
             <a:off x="504000" y="2232000"/>
-            <a:ext cx="9070560" cy="4390920"/>
+            <a:ext cx="9070200" cy="4390560"/>
           </a:xfrm>
           <a:prstGeom prst="rect">
             <a:avLst/>
@@ -6812,7 +6792,7 @@
             <a:normAutofit fontScale="56000"/>
           </a:bodyPr>
           <a:p>
-            <a:pPr marL="432000" indent="-322920">
+            <a:pPr marL="432000" indent="-322560">
               <a:lnSpc>
                 <a:spcPct val="100000"/>
               </a:lnSpc>
@@ -6841,7 +6821,7 @@
             </a:endParaRPr>
           </a:p>
           <a:p>
-            <a:pPr marL="432000" indent="-322920">
+            <a:pPr marL="432000" indent="-322560">
               <a:lnSpc>
                 <a:spcPct val="100000"/>
               </a:lnSpc>
@@ -6870,7 +6850,7 @@
             </a:endParaRPr>
           </a:p>
           <a:p>
-            <a:pPr marL="432000" indent="-322920">
+            <a:pPr marL="432000" indent="-322560">
               <a:lnSpc>
                 <a:spcPct val="100000"/>
               </a:lnSpc>
@@ -6939,7 +6919,7 @@
         <p:spPr>
           <a:xfrm>
             <a:off x="504000" y="867960"/>
-            <a:ext cx="9070560" cy="1249200"/>
+            <a:ext cx="9070200" cy="1248840"/>
           </a:xfrm>
           <a:prstGeom prst="rect">
             <a:avLst/>
@@ -6993,7 +6973,7 @@
         <p:spPr>
           <a:xfrm>
             <a:off x="504000" y="2232000"/>
-            <a:ext cx="9070560" cy="4390920"/>
+            <a:ext cx="9070200" cy="4390560"/>
           </a:xfrm>
           <a:prstGeom prst="rect">
             <a:avLst/>
@@ -7014,7 +6994,7 @@
             <a:normAutofit fontScale="51000"/>
           </a:bodyPr>
           <a:p>
-            <a:pPr marL="432000" indent="-322920">
+            <a:pPr marL="432000" indent="-322560">
               <a:lnSpc>
                 <a:spcPct val="100000"/>
               </a:lnSpc>
@@ -7043,7 +7023,7 @@
             </a:endParaRPr>
           </a:p>
           <a:p>
-            <a:pPr marL="432000" indent="-322920">
+            <a:pPr marL="432000" indent="-322560">
               <a:lnSpc>
                 <a:spcPct val="100000"/>
               </a:lnSpc>
@@ -7072,7 +7052,7 @@
             </a:endParaRPr>
           </a:p>
           <a:p>
-            <a:pPr marL="432000" indent="-322920">
+            <a:pPr marL="432000" indent="-322560">
               <a:lnSpc>
                 <a:spcPct val="100000"/>
               </a:lnSpc>
@@ -7141,7 +7121,7 @@
         <p:spPr>
           <a:xfrm>
             <a:off x="504000" y="969840"/>
-            <a:ext cx="9070560" cy="1045080"/>
+            <a:ext cx="9070200" cy="1044720"/>
           </a:xfrm>
           <a:prstGeom prst="rect">
             <a:avLst/>
@@ -7195,7 +7175,7 @@
         <p:spPr>
           <a:xfrm>
             <a:off x="504000" y="2232000"/>
-            <a:ext cx="9070560" cy="4390920"/>
+            <a:ext cx="9070200" cy="4390560"/>
           </a:xfrm>
           <a:prstGeom prst="rect">
             <a:avLst/>
@@ -7216,7 +7196,7 @@
             <a:normAutofit fontScale="42000"/>
           </a:bodyPr>
           <a:p>
-            <a:pPr marL="432000" indent="-322920">
+            <a:pPr marL="432000" indent="-322560">
               <a:lnSpc>
                 <a:spcPct val="100000"/>
               </a:lnSpc>
@@ -7245,7 +7225,7 @@
             </a:endParaRPr>
           </a:p>
           <a:p>
-            <a:pPr marL="432000" indent="-322920">
+            <a:pPr marL="432000" indent="-322560">
               <a:lnSpc>
                 <a:spcPct val="100000"/>
               </a:lnSpc>
@@ -7274,7 +7254,7 @@
             </a:endParaRPr>
           </a:p>
           <a:p>
-            <a:pPr marL="432000" indent="-322920">
+            <a:pPr marL="432000" indent="-322560">
               <a:lnSpc>
                 <a:spcPct val="100000"/>
               </a:lnSpc>
@@ -7343,7 +7323,7 @@
         <p:spPr>
           <a:xfrm>
             <a:off x="504000" y="969840"/>
-            <a:ext cx="9070560" cy="1045080"/>
+            <a:ext cx="9070200" cy="1044720"/>
           </a:xfrm>
           <a:prstGeom prst="rect">
             <a:avLst/>
@@ -7397,7 +7377,7 @@
         <p:spPr>
           <a:xfrm>
             <a:off x="504000" y="2232000"/>
-            <a:ext cx="9070560" cy="4390920"/>
+            <a:ext cx="9070200" cy="4390560"/>
           </a:xfrm>
           <a:prstGeom prst="rect">
             <a:avLst/>
@@ -7418,7 +7398,7 @@
             <a:normAutofit fontScale="42000"/>
           </a:bodyPr>
           <a:p>
-            <a:pPr marL="432000" indent="-322920">
+            <a:pPr marL="432000" indent="-322560">
               <a:lnSpc>
                 <a:spcPct val="100000"/>
               </a:lnSpc>
@@ -7447,7 +7427,7 @@
             </a:endParaRPr>
           </a:p>
           <a:p>
-            <a:pPr marL="432000" indent="-322920">
+            <a:pPr marL="432000" indent="-322560">
               <a:lnSpc>
                 <a:spcPct val="100000"/>
               </a:lnSpc>
@@ -7476,7 +7456,7 @@
             </a:endParaRPr>
           </a:p>
           <a:p>
-            <a:pPr marL="432000" indent="-322920">
+            <a:pPr marL="432000" indent="-322560">
               <a:lnSpc>
                 <a:spcPct val="100000"/>
               </a:lnSpc>
@@ -7545,7 +7525,7 @@
         <p:spPr>
           <a:xfrm>
             <a:off x="504000" y="969840"/>
-            <a:ext cx="9070560" cy="1045080"/>
+            <a:ext cx="9070200" cy="1044720"/>
           </a:xfrm>
           <a:prstGeom prst="rect">
             <a:avLst/>
@@ -7599,7 +7579,7 @@
         <p:spPr>
           <a:xfrm>
             <a:off x="504000" y="2232000"/>
-            <a:ext cx="9070560" cy="4390920"/>
+            <a:ext cx="9070200" cy="4390560"/>
           </a:xfrm>
           <a:prstGeom prst="rect">
             <a:avLst/>
@@ -7620,7 +7600,7 @@
             <a:normAutofit fontScale="42000"/>
           </a:bodyPr>
           <a:p>
-            <a:pPr marL="432000" indent="-322920">
+            <a:pPr marL="432000" indent="-322560">
               <a:lnSpc>
                 <a:spcPct val="100000"/>
               </a:lnSpc>
@@ -7649,7 +7629,7 @@
             </a:endParaRPr>
           </a:p>
           <a:p>
-            <a:pPr marL="432000" indent="-322920">
+            <a:pPr marL="432000" indent="-322560">
               <a:lnSpc>
                 <a:spcPct val="100000"/>
               </a:lnSpc>
@@ -7678,7 +7658,7 @@
             </a:endParaRPr>
           </a:p>
           <a:p>
-            <a:pPr marL="432000" indent="-322920">
+            <a:pPr marL="432000" indent="-322560">
               <a:lnSpc>
                 <a:spcPct val="100000"/>
               </a:lnSpc>
@@ -7747,7 +7727,7 @@
         <p:spPr>
           <a:xfrm>
             <a:off x="504000" y="969840"/>
-            <a:ext cx="9070560" cy="1045080"/>
+            <a:ext cx="9070200" cy="1044720"/>
           </a:xfrm>
           <a:prstGeom prst="rect">
             <a:avLst/>
@@ -7801,7 +7781,7 @@
         <p:spPr>
           <a:xfrm>
             <a:off x="504000" y="2232000"/>
-            <a:ext cx="9070560" cy="4390920"/>
+            <a:ext cx="9070200" cy="4390560"/>
           </a:xfrm>
           <a:prstGeom prst="rect">
             <a:avLst/>
@@ -7822,7 +7802,7 @@
             <a:normAutofit fontScale="42000"/>
           </a:bodyPr>
           <a:p>
-            <a:pPr marL="432000" indent="-322920">
+            <a:pPr marL="432000" indent="-322560">
               <a:lnSpc>
                 <a:spcPct val="100000"/>
               </a:lnSpc>
@@ -7851,7 +7831,7 @@
             </a:endParaRPr>
           </a:p>
           <a:p>
-            <a:pPr marL="432000" indent="-322920">
+            <a:pPr marL="432000" indent="-322560">
               <a:lnSpc>
                 <a:spcPct val="100000"/>
               </a:lnSpc>
@@ -7880,7 +7860,7 @@
             </a:endParaRPr>
           </a:p>
           <a:p>
-            <a:pPr marL="432000" indent="-322920">
+            <a:pPr marL="432000" indent="-322560">
               <a:lnSpc>
                 <a:spcPct val="100000"/>
               </a:lnSpc>
